--- a/ProjectDocumentation/Obstruction Sensor.pptx
+++ b/ProjectDocumentation/Obstruction Sensor.pptx
@@ -108,6 +108,11 @@
       </a:defRPr>
     </a:lvl9pPr>
   </p:defaultTextStyle>
+  <p:extLst>
+    <p:ext uri="{EFAFB233-063F-42B5-8137-9DF3F51BA10A}">
+      <p15:sldGuideLst xmlns:p15="http://schemas.microsoft.com/office/powerpoint/2012/main"/>
+    </p:ext>
+  </p:extLst>
 </p:presentation>
 </file>
 
@@ -3677,7 +3682,7 @@
           </p:nvPr>
         </p:nvPicPr>
         <p:blipFill>
-          <a:blip r:embed="rId2">
+          <a:blip r:embed="rId4">
             <a:extLst>
               <a:ext uri="{28A0092B-C50C-407E-A947-70E740481C1C}">
                 <a14:useLocalDpi xmlns:a14="http://schemas.microsoft.com/office/drawing/2010/main" val="0"/>
@@ -3704,7 +3709,7 @@
           <p:nvPr/>
         </p:nvPicPr>
         <p:blipFill>
-          <a:blip r:embed="rId3">
+          <a:blip r:embed="rId5">
             <a:extLst>
               <a:ext uri="{28A0092B-C50C-407E-A947-70E740481C1C}">
                 <a14:useLocalDpi xmlns:a14="http://schemas.microsoft.com/office/drawing/2010/main" val="0"/>
@@ -3719,36 +3724,6 @@
           <a:xfrm>
             <a:off x="5379144" y="664487"/>
             <a:ext cx="4038600" cy="1552575"/>
-          </a:xfrm>
-          <a:prstGeom prst="rect">
-            <a:avLst/>
-          </a:prstGeom>
-        </p:spPr>
-      </p:pic>
-      <p:pic>
-        <p:nvPicPr>
-          <p:cNvPr id="6" name="Picture 5"/>
-          <p:cNvPicPr>
-            <a:picLocks noChangeAspect="1"/>
-          </p:cNvPicPr>
-          <p:nvPr/>
-        </p:nvPicPr>
-        <p:blipFill>
-          <a:blip r:embed="rId4">
-            <a:extLst>
-              <a:ext uri="{28A0092B-C50C-407E-A947-70E740481C1C}">
-                <a14:useLocalDpi xmlns:a14="http://schemas.microsoft.com/office/drawing/2010/main" val="0"/>
-              </a:ext>
-            </a:extLst>
-          </a:blip>
-          <a:stretch>
-            <a:fillRect/>
-          </a:stretch>
-        </p:blipFill>
-        <p:spPr>
-          <a:xfrm>
-            <a:off x="838200" y="2477294"/>
-            <a:ext cx="3048000" cy="4064000"/>
           </a:xfrm>
           <a:prstGeom prst="rect">
             <a:avLst/>
@@ -3945,7 +3920,7 @@
               <a:buFont typeface="Arial" panose="020B0604020202020204" pitchFamily="34" charset="0"/>
               <a:buNone/>
             </a:pPr>
-            <a:endParaRPr lang="en-US" dirty="0" smtClean="0"/>
+            <a:endParaRPr lang="en-US" dirty="0"/>
           </a:p>
           <a:p>
             <a:pPr marL="0" indent="0">
@@ -3954,8 +3929,13 @@
             </a:pPr>
             <a:r>
               <a:rPr lang="en-US" dirty="0" smtClean="0"/>
-              <a:t>         Reading</a:t>
-            </a:r>
+              <a:t> </a:t>
+            </a:r>
+            <a:r>
+              <a:rPr lang="en-US" dirty="0" smtClean="0"/>
+              <a:t>    Reading</a:t>
+            </a:r>
+            <a:endParaRPr lang="en-US" dirty="0" smtClean="0"/>
           </a:p>
           <a:p>
             <a:pPr marL="0" indent="0">
@@ -4015,6 +3995,39 @@
           </a:p>
         </p:txBody>
       </p:sp>
+      <p:pic>
+        <p:nvPicPr>
+          <p:cNvPr id="7" name="Reading">
+            <a:hlinkClick r:id="" action="ppaction://media"/>
+          </p:cNvPr>
+          <p:cNvPicPr>
+            <a:picLocks noChangeAspect="1"/>
+          </p:cNvPicPr>
+          <p:nvPr>
+            <a:videoFile r:link="rId2"/>
+            <p:extLst>
+              <p:ext uri="{DAA4B4D4-6D71-4841-9C94-3DE7FCFB9230}">
+                <p14:media xmlns:p14="http://schemas.microsoft.com/office/powerpoint/2010/main" r:embed="rId1"/>
+              </p:ext>
+            </p:extLst>
+          </p:nvPr>
+        </p:nvPicPr>
+        <p:blipFill>
+          <a:blip r:embed="rId6"/>
+          <a:stretch>
+            <a:fillRect/>
+          </a:stretch>
+        </p:blipFill>
+        <p:spPr>
+          <a:xfrm>
+            <a:off x="838200" y="2355024"/>
+            <a:ext cx="2447925" cy="4213375"/>
+          </a:xfrm>
+          <a:prstGeom prst="rect">
+            <a:avLst/>
+          </a:prstGeom>
+        </p:spPr>
+      </p:pic>
     </p:spTree>
     <p:extLst>
       <p:ext uri="{BB962C8B-B14F-4D97-AF65-F5344CB8AC3E}">
@@ -4028,7 +4041,80 @@
   <p:timing>
     <p:tnLst>
       <p:par>
-        <p:cTn id="1" dur="indefinite" restart="never" nodeType="tmRoot"/>
+        <p:cTn id="1" dur="indefinite" restart="never" nodeType="tmRoot">
+          <p:childTnLst>
+            <p:seq concurrent="1" nextAc="seek">
+              <p:cTn id="2" restart="whenNotActive" fill="hold" evtFilter="cancelBubble" nodeType="interactiveSeq">
+                <p:stCondLst>
+                  <p:cond evt="onClick" delay="0">
+                    <p:tgtEl>
+                      <p:spTgt spid="7"/>
+                    </p:tgtEl>
+                  </p:cond>
+                </p:stCondLst>
+                <p:endSync evt="end" delay="0">
+                  <p:rtn val="all"/>
+                </p:endSync>
+                <p:childTnLst>
+                  <p:par>
+                    <p:cTn id="3" fill="hold">
+                      <p:stCondLst>
+                        <p:cond delay="0"/>
+                      </p:stCondLst>
+                      <p:childTnLst>
+                        <p:par>
+                          <p:cTn id="4" fill="hold">
+                            <p:stCondLst>
+                              <p:cond delay="0"/>
+                            </p:stCondLst>
+                            <p:childTnLst>
+                              <p:par>
+                                <p:cTn id="5" presetID="2" presetClass="mediacall" presetSubtype="0" fill="hold" nodeType="clickEffect">
+                                  <p:stCondLst>
+                                    <p:cond delay="0"/>
+                                  </p:stCondLst>
+                                  <p:childTnLst>
+                                    <p:cmd type="call" cmd="togglePause">
+                                      <p:cBhvr>
+                                        <p:cTn id="6" dur="1" fill="hold"/>
+                                        <p:tgtEl>
+                                          <p:spTgt spid="7"/>
+                                        </p:tgtEl>
+                                      </p:cBhvr>
+                                    </p:cmd>
+                                  </p:childTnLst>
+                                </p:cTn>
+                              </p:par>
+                            </p:childTnLst>
+                          </p:cTn>
+                        </p:par>
+                      </p:childTnLst>
+                    </p:cTn>
+                  </p:par>
+                </p:childTnLst>
+              </p:cTn>
+              <p:nextCondLst>
+                <p:cond evt="onClick" delay="0">
+                  <p:tgtEl>
+                    <p:spTgt spid="7"/>
+                  </p:tgtEl>
+                </p:cond>
+              </p:nextCondLst>
+            </p:seq>
+            <p:video>
+              <p:cMediaNode vol="80000">
+                <p:cTn id="7" fill="hold" display="0">
+                  <p:stCondLst>
+                    <p:cond delay="indefinite"/>
+                  </p:stCondLst>
+                </p:cTn>
+                <p:tgtEl>
+                  <p:spTgt spid="7"/>
+                </p:tgtEl>
+              </p:cMediaNode>
+            </p:video>
+          </p:childTnLst>
+        </p:cTn>
       </p:par>
     </p:tnLst>
   </p:timing>

--- a/ProjectDocumentation/Obstruction Sensor.pptx
+++ b/ProjectDocumentation/Obstruction Sensor.pptx
@@ -8,8 +8,9 @@
     <p:sldId id="256" r:id="rId2"/>
     <p:sldId id="257" r:id="rId3"/>
     <p:sldId id="258" r:id="rId4"/>
-    <p:sldId id="259" r:id="rId5"/>
-    <p:sldId id="260" r:id="rId6"/>
+    <p:sldId id="261" r:id="rId5"/>
+    <p:sldId id="259" r:id="rId6"/>
+    <p:sldId id="260" r:id="rId7"/>
   </p:sldIdLst>
   <p:sldSz cx="12192000" cy="6858000"/>
   <p:notesSz cx="6858000" cy="9144000"/>
@@ -3653,6 +3654,92 @@
             <p:ph type="title"/>
           </p:nvPr>
         </p:nvSpPr>
+        <p:spPr/>
+        <p:txBody>
+          <a:bodyPr/>
+          <a:lstStyle/>
+          <a:p>
+            <a:r>
+              <a:rPr lang="en-US" dirty="0" smtClean="0"/>
+              <a:t>Schedule</a:t>
+            </a:r>
+            <a:endParaRPr lang="en-US" dirty="0"/>
+          </a:p>
+        </p:txBody>
+      </p:sp>
+      <p:pic>
+        <p:nvPicPr>
+          <p:cNvPr id="4" name="Content Placeholder 3"/>
+          <p:cNvPicPr>
+            <a:picLocks noGrp="1" noChangeAspect="1"/>
+          </p:cNvPicPr>
+          <p:nvPr>
+            <p:ph idx="1"/>
+          </p:nvPr>
+        </p:nvPicPr>
+        <p:blipFill>
+          <a:blip r:embed="rId2"/>
+          <a:stretch>
+            <a:fillRect/>
+          </a:stretch>
+        </p:blipFill>
+        <p:spPr>
+          <a:xfrm>
+            <a:off x="3761963" y="1825625"/>
+            <a:ext cx="4668073" cy="4351338"/>
+          </a:xfrm>
+          <a:prstGeom prst="rect">
+            <a:avLst/>
+          </a:prstGeom>
+        </p:spPr>
+      </p:pic>
+    </p:spTree>
+    <p:extLst>
+      <p:ext uri="{BB962C8B-B14F-4D97-AF65-F5344CB8AC3E}">
+        <p14:creationId xmlns:p14="http://schemas.microsoft.com/office/powerpoint/2010/main" val="3545778377"/>
+      </p:ext>
+    </p:extLst>
+  </p:cSld>
+  <p:clrMapOvr>
+    <a:masterClrMapping/>
+  </p:clrMapOvr>
+  <p:timing>
+    <p:tnLst>
+      <p:par>
+        <p:cTn id="1" dur="indefinite" restart="never" nodeType="tmRoot"/>
+      </p:par>
+    </p:tnLst>
+  </p:timing>
+</p:sld>
+</file>
+
+<file path=ppt/slides/slide5.xml><?xml version="1.0" encoding="utf-8"?>
+<p:sld xmlns:a="http://schemas.openxmlformats.org/drawingml/2006/main" xmlns:r="http://schemas.openxmlformats.org/officeDocument/2006/relationships" xmlns:p="http://schemas.openxmlformats.org/presentationml/2006/main">
+  <p:cSld>
+    <p:spTree>
+      <p:nvGrpSpPr>
+        <p:cNvPr id="1" name=""/>
+        <p:cNvGrpSpPr/>
+        <p:nvPr/>
+      </p:nvGrpSpPr>
+      <p:grpSpPr>
+        <a:xfrm>
+          <a:off x="0" y="0"/>
+          <a:ext cx="0" cy="0"/>
+          <a:chOff x="0" y="0"/>
+          <a:chExt cx="0" cy="0"/>
+        </a:xfrm>
+      </p:grpSpPr>
+      <p:sp>
+        <p:nvSpPr>
+          <p:cNvPr id="2" name="Title 1"/>
+          <p:cNvSpPr>
+            <a:spLocks noGrp="1"/>
+          </p:cNvSpPr>
+          <p:nvPr>
+            <p:ph type="title"/>
+          </p:nvPr>
+        </p:nvSpPr>
         <p:spPr>
           <a:xfrm>
             <a:off x="838200" y="343609"/>
@@ -3929,13 +4016,8 @@
             </a:pPr>
             <a:r>
               <a:rPr lang="en-US" dirty="0" smtClean="0"/>
-              <a:t> </a:t>
-            </a:r>
-            <a:r>
-              <a:rPr lang="en-US" dirty="0" smtClean="0"/>
-              <a:t>    Reading</a:t>
-            </a:r>
-            <a:endParaRPr lang="en-US" dirty="0" smtClean="0"/>
+              <a:t>     Reading</a:t>
+            </a:r>
           </a:p>
           <a:p>
             <a:pPr marL="0" indent="0">
@@ -4121,7 +4203,7 @@
 </p:sld>
 </file>
 
-<file path=ppt/slides/slide5.xml><?xml version="1.0" encoding="utf-8"?>
+<file path=ppt/slides/slide6.xml><?xml version="1.0" encoding="utf-8"?>
 <p:sld xmlns:a="http://schemas.openxmlformats.org/drawingml/2006/main" xmlns:r="http://schemas.openxmlformats.org/officeDocument/2006/relationships" xmlns:p="http://schemas.openxmlformats.org/presentationml/2006/main">
   <p:cSld>
     <p:spTree>
@@ -4222,6 +4304,13 @@
   <p:clrMapOvr>
     <a:masterClrMapping/>
   </p:clrMapOvr>
+  <p:timing>
+    <p:tnLst>
+      <p:par>
+        <p:cTn id="1" dur="indefinite" restart="never" nodeType="tmRoot"/>
+      </p:par>
+    </p:tnLst>
+  </p:timing>
 </p:sld>
 </file>
 

--- a/ProjectDocumentation/Obstruction Sensor.pptx
+++ b/ProjectDocumentation/Obstruction Sensor.pptx
@@ -248,7 +248,7 @@
           <a:p>
             <a:fld id="{F7B895C8-284F-4063-8B3D-A8C6AE76D05B}" type="datetimeFigureOut">
               <a:rPr lang="en-US" smtClean="0"/>
-              <a:t>11/26/2018</a:t>
+              <a:t>11/27/2018</a:t>
             </a:fld>
             <a:endParaRPr lang="en-US"/>
           </a:p>
@@ -418,7 +418,7 @@
           <a:p>
             <a:fld id="{F7B895C8-284F-4063-8B3D-A8C6AE76D05B}" type="datetimeFigureOut">
               <a:rPr lang="en-US" smtClean="0"/>
-              <a:t>11/26/2018</a:t>
+              <a:t>11/27/2018</a:t>
             </a:fld>
             <a:endParaRPr lang="en-US"/>
           </a:p>
@@ -598,7 +598,7 @@
           <a:p>
             <a:fld id="{F7B895C8-284F-4063-8B3D-A8C6AE76D05B}" type="datetimeFigureOut">
               <a:rPr lang="en-US" smtClean="0"/>
-              <a:t>11/26/2018</a:t>
+              <a:t>11/27/2018</a:t>
             </a:fld>
             <a:endParaRPr lang="en-US"/>
           </a:p>
@@ -768,7 +768,7 @@
           <a:p>
             <a:fld id="{F7B895C8-284F-4063-8B3D-A8C6AE76D05B}" type="datetimeFigureOut">
               <a:rPr lang="en-US" smtClean="0"/>
-              <a:t>11/26/2018</a:t>
+              <a:t>11/27/2018</a:t>
             </a:fld>
             <a:endParaRPr lang="en-US"/>
           </a:p>
@@ -1014,7 +1014,7 @@
           <a:p>
             <a:fld id="{F7B895C8-284F-4063-8B3D-A8C6AE76D05B}" type="datetimeFigureOut">
               <a:rPr lang="en-US" smtClean="0"/>
-              <a:t>11/26/2018</a:t>
+              <a:t>11/27/2018</a:t>
             </a:fld>
             <a:endParaRPr lang="en-US"/>
           </a:p>
@@ -1246,7 +1246,7 @@
           <a:p>
             <a:fld id="{F7B895C8-284F-4063-8B3D-A8C6AE76D05B}" type="datetimeFigureOut">
               <a:rPr lang="en-US" smtClean="0"/>
-              <a:t>11/26/2018</a:t>
+              <a:t>11/27/2018</a:t>
             </a:fld>
             <a:endParaRPr lang="en-US"/>
           </a:p>
@@ -1613,7 +1613,7 @@
           <a:p>
             <a:fld id="{F7B895C8-284F-4063-8B3D-A8C6AE76D05B}" type="datetimeFigureOut">
               <a:rPr lang="en-US" smtClean="0"/>
-              <a:t>11/26/2018</a:t>
+              <a:t>11/27/2018</a:t>
             </a:fld>
             <a:endParaRPr lang="en-US"/>
           </a:p>
@@ -1731,7 +1731,7 @@
           <a:p>
             <a:fld id="{F7B895C8-284F-4063-8B3D-A8C6AE76D05B}" type="datetimeFigureOut">
               <a:rPr lang="en-US" smtClean="0"/>
-              <a:t>11/26/2018</a:t>
+              <a:t>11/27/2018</a:t>
             </a:fld>
             <a:endParaRPr lang="en-US"/>
           </a:p>
@@ -1826,7 +1826,7 @@
           <a:p>
             <a:fld id="{F7B895C8-284F-4063-8B3D-A8C6AE76D05B}" type="datetimeFigureOut">
               <a:rPr lang="en-US" smtClean="0"/>
-              <a:t>11/26/2018</a:t>
+              <a:t>11/27/2018</a:t>
             </a:fld>
             <a:endParaRPr lang="en-US"/>
           </a:p>
@@ -2103,7 +2103,7 @@
           <a:p>
             <a:fld id="{F7B895C8-284F-4063-8B3D-A8C6AE76D05B}" type="datetimeFigureOut">
               <a:rPr lang="en-US" smtClean="0"/>
-              <a:t>11/26/2018</a:t>
+              <a:t>11/27/2018</a:t>
             </a:fld>
             <a:endParaRPr lang="en-US"/>
           </a:p>
@@ -2356,7 +2356,7 @@
           <a:p>
             <a:fld id="{F7B895C8-284F-4063-8B3D-A8C6AE76D05B}" type="datetimeFigureOut">
               <a:rPr lang="en-US" smtClean="0"/>
-              <a:t>11/26/2018</a:t>
+              <a:t>11/27/2018</a:t>
             </a:fld>
             <a:endParaRPr lang="en-US"/>
           </a:p>
@@ -2569,7 +2569,7 @@
           <a:p>
             <a:fld id="{F7B895C8-284F-4063-8B3D-A8C6AE76D05B}" type="datetimeFigureOut">
               <a:rPr lang="en-US" smtClean="0"/>
-              <a:t>11/26/2018</a:t>
+              <a:t>11/27/2018</a:t>
             </a:fld>
             <a:endParaRPr lang="en-US"/>
           </a:p>
@@ -4280,7 +4280,19 @@
           <a:p>
             <a:r>
               <a:rPr lang="en-US" dirty="0" smtClean="0"/>
-              <a:t>Technical Reading and Writing Skills (WRIT120) and Introduction to Software Engineering – assisted with documents.</a:t>
+              <a:t>Technical Reading and Writing Skills (WRIT120) and Introduction to </a:t>
+            </a:r>
+            <a:r>
+              <a:rPr lang="en-US" smtClean="0"/>
+              <a:t>Software </a:t>
+            </a:r>
+            <a:r>
+              <a:rPr lang="en-US" smtClean="0"/>
+              <a:t>Engineering (CENG216) </a:t>
+            </a:r>
+            <a:r>
+              <a:rPr lang="en-US" dirty="0" smtClean="0"/>
+              <a:t>– assisted with documents.</a:t>
             </a:r>
           </a:p>
           <a:p>

--- a/ProjectDocumentation/Obstruction Sensor.pptx
+++ b/ProjectDocumentation/Obstruction Sensor.pptx
@@ -3585,7 +3585,7 @@
       </p:sp>
       <p:pic>
         <p:nvPicPr>
-          <p:cNvPr id="6" name="Picture 5"/>
+          <p:cNvPr id="4" name="Picture 3"/>
           <p:cNvPicPr>
             <a:picLocks noChangeAspect="1"/>
           </p:cNvPicPr>
@@ -3599,8 +3599,8 @@
         </p:blipFill>
         <p:spPr>
           <a:xfrm>
-            <a:off x="838201" y="2500993"/>
-            <a:ext cx="10515600" cy="3602098"/>
+            <a:off x="838200" y="2143263"/>
+            <a:ext cx="10515600" cy="3581125"/>
           </a:xfrm>
           <a:prstGeom prst="rect">
             <a:avLst/>
@@ -4284,11 +4284,7 @@
             </a:r>
             <a:r>
               <a:rPr lang="en-US" smtClean="0"/>
-              <a:t>Software </a:t>
-            </a:r>
-            <a:r>
-              <a:rPr lang="en-US" smtClean="0"/>
-              <a:t>Engineering (CENG216) </a:t>
+              <a:t>Software Engineering (CENG216) </a:t>
             </a:r>
             <a:r>
               <a:rPr lang="en-US" dirty="0" smtClean="0"/>
